--- a/resources/class_lectures/week_01_Introduction_to_MySQL_and_Tableau/week_01_intro_to_course_OMIS_113.pptx
+++ b/resources/class_lectures/week_01_Introduction_to_MySQL_and_Tableau/week_01_intro_to_course_OMIS_113.pptx
@@ -245,7 +245,7 @@
           <a:p>
             <a:fld id="{D2652905-340A-7446-B80D-69FC56D9E8B0}" type="datetimeFigureOut">
               <a:rPr lang="en-US" smtClean="0"/>
-              <a:t>4/2/24</a:t>
+              <a:t>11/17/24</a:t>
             </a:fld>
             <a:endParaRPr lang="en-US"/>
           </a:p>
@@ -2987,7 +2987,7 @@
 </file>
 
 <file path=ppt/slideLayouts/slideLayout1.xml><?xml version="1.0" encoding="utf-8"?>
-<p:sldLayout xmlns:a="http://schemas.openxmlformats.org/drawingml/2006/main" xmlns:r="http://schemas.openxmlformats.org/officeDocument/2006/relationships" xmlns:p="http://schemas.openxmlformats.org/presentationml/2006/main" showMasterSp="0" type="title" preserve="1">
+<p:sldLayout xmlns:a="http://schemas.openxmlformats.org/drawingml/2006/main" xmlns:r="http://schemas.openxmlformats.org/officeDocument/2006/relationships" xmlns:p="http://schemas.openxmlformats.org/presentationml/2006/main" preserve="1" userDrawn="1">
   <p:cSld name="Title Slide">
     <p:spTree>
       <p:nvGrpSpPr>
@@ -3003,47 +3003,6 @@
           <a:chExt cx="0" cy="0"/>
         </a:xfrm>
       </p:grpSpPr>
-      <p:sp>
-        <p:nvSpPr>
-          <p:cNvPr id="2" name="Title 1"/>
-          <p:cNvSpPr>
-            <a:spLocks noGrp="1"/>
-          </p:cNvSpPr>
-          <p:nvPr>
-            <p:ph type="ctrTitle"/>
-          </p:nvPr>
-        </p:nvSpPr>
-        <p:spPr>
-          <a:xfrm>
-            <a:off x="457200" y="228600"/>
-            <a:ext cx="7772400" cy="4571999"/>
-          </a:xfrm>
-        </p:spPr>
-        <p:txBody>
-          <a:bodyPr anchor="ctr">
-            <a:noAutofit/>
-          </a:bodyPr>
-          <a:lstStyle>
-            <a:lvl1pPr>
-              <a:lnSpc>
-                <a:spcPct val="100000"/>
-              </a:lnSpc>
-              <a:defRPr sz="8800" spc="-80" baseline="0">
-                <a:solidFill>
-                  <a:schemeClr val="tx1"/>
-                </a:solidFill>
-              </a:defRPr>
-            </a:lvl1pPr>
-          </a:lstStyle>
-          <a:p>
-            <a:r>
-              <a:rPr lang="en-US"/>
-              <a:t>Click to edit Master title style</a:t>
-            </a:r>
-            <a:endParaRPr lang="en-US" dirty="0"/>
-          </a:p>
-        </p:txBody>
-      </p:sp>
       <p:sp>
         <p:nvSpPr>
           <p:cNvPr id="3" name="Subtitle 2"/>
@@ -3179,7 +3138,7 @@
           <a:p>
             <a:fld id="{112779B1-49FA-AE40-A30D-0FBD14D02E5A}" type="datetimeFigureOut">
               <a:rPr lang="en-US" smtClean="0"/>
-              <a:t>4/2/24</a:t>
+              <a:t>11/17/24</a:t>
             </a:fld>
             <a:endParaRPr lang="en-US"/>
           </a:p>
@@ -3324,6 +3283,34 @@
               <a:t>‹#›</a:t>
             </a:fld>
             <a:endParaRPr lang="en-US"/>
+          </a:p>
+        </p:txBody>
+      </p:sp>
+      <p:sp>
+        <p:nvSpPr>
+          <p:cNvPr id="7" name="Title 6">
+            <a:extLst>
+              <a:ext uri="{FF2B5EF4-FFF2-40B4-BE49-F238E27FC236}">
+                <a16:creationId xmlns:a16="http://schemas.microsoft.com/office/drawing/2014/main" id="{4DA42E32-FB28-7CFA-C90B-BEFEF9893AA2}"/>
+              </a:ext>
+            </a:extLst>
+          </p:cNvPr>
+          <p:cNvSpPr>
+            <a:spLocks noGrp="1"/>
+          </p:cNvSpPr>
+          <p:nvPr>
+            <p:ph type="title"/>
+          </p:nvPr>
+        </p:nvSpPr>
+        <p:spPr/>
+        <p:txBody>
+          <a:bodyPr/>
+          <a:lstStyle/>
+          <a:p>
+            <a:r>
+              <a:rPr lang="en-US"/>
+              <a:t>Click to edit Master title style</a:t>
+            </a:r>
           </a:p>
         </p:txBody>
       </p:sp>
@@ -3442,7 +3429,7 @@
           <a:p>
             <a:fld id="{112779B1-49FA-AE40-A30D-0FBD14D02E5A}" type="datetimeFigureOut">
               <a:rPr lang="en-US" smtClean="0"/>
-              <a:t>4/2/24</a:t>
+              <a:t>11/17/24</a:t>
             </a:fld>
             <a:endParaRPr lang="en-US"/>
           </a:p>
@@ -3615,7 +3602,7 @@
           <a:p>
             <a:fld id="{112779B1-49FA-AE40-A30D-0FBD14D02E5A}" type="datetimeFigureOut">
               <a:rPr lang="en-US" smtClean="0"/>
-              <a:t>4/2/24</a:t>
+              <a:t>11/17/24</a:t>
             </a:fld>
             <a:endParaRPr lang="en-US"/>
           </a:p>
@@ -3779,7 +3766,7 @@
           <a:p>
             <a:fld id="{112779B1-49FA-AE40-A30D-0FBD14D02E5A}" type="datetimeFigureOut">
               <a:rPr lang="en-US" smtClean="0"/>
-              <a:t>4/2/24</a:t>
+              <a:t>11/17/24</a:t>
             </a:fld>
             <a:endParaRPr lang="en-US"/>
           </a:p>
@@ -3881,15 +3868,15 @@
                 <a:solidFill>
                   <a:schemeClr val="tx1"/>
                 </a:solidFill>
+                <a:latin typeface="Andale Mono" panose="020B0509000000000004" pitchFamily="49" charset="0"/>
               </a:defRPr>
             </a:lvl1pPr>
           </a:lstStyle>
           <a:p>
             <a:r>
-              <a:rPr lang="en-US"/>
+              <a:rPr lang="en-US" dirty="0"/>
               <a:t>Click to edit Master title style</a:t>
             </a:r>
-            <a:endParaRPr lang="en-US" dirty="0"/>
           </a:p>
         </p:txBody>
       </p:sp>
@@ -3918,7 +3905,7 @@
                 <a:solidFill>
                   <a:schemeClr val="tx2"/>
                 </a:solidFill>
-                <a:latin typeface="+mj-lt"/>
+                <a:latin typeface="Andale Mono" panose="020B0509000000000004" pitchFamily="49" charset="0"/>
               </a:defRPr>
             </a:lvl1pPr>
             <a:lvl2pPr marL="457200" indent="0">
@@ -4005,7 +3992,7 @@
           <a:p>
             <a:pPr lvl="0"/>
             <a:r>
-              <a:rPr lang="en-US"/>
+              <a:rPr lang="en-US" dirty="0"/>
               <a:t>Click to edit Master text styles</a:t>
             </a:r>
           </a:p>
@@ -4028,7 +4015,7 @@
           <a:p>
             <a:fld id="{112779B1-49FA-AE40-A30D-0FBD14D02E5A}" type="datetimeFigureOut">
               <a:rPr lang="en-US" smtClean="0"/>
-              <a:t>4/2/24</a:t>
+              <a:t>11/17/24</a:t>
             </a:fld>
             <a:endParaRPr lang="en-US"/>
           </a:p>
@@ -4310,7 +4297,7 @@
           <a:p>
             <a:fld id="{112779B1-49FA-AE40-A30D-0FBD14D02E5A}" type="datetimeFigureOut">
               <a:rPr lang="en-US" smtClean="0"/>
-              <a:t>4/2/24</a:t>
+              <a:t>11/17/24</a:t>
             </a:fld>
             <a:endParaRPr lang="en-US"/>
           </a:p>
@@ -4748,7 +4735,7 @@
           <a:p>
             <a:fld id="{112779B1-49FA-AE40-A30D-0FBD14D02E5A}" type="datetimeFigureOut">
               <a:rPr lang="en-US" smtClean="0"/>
-              <a:t>4/2/24</a:t>
+              <a:t>11/17/24</a:t>
             </a:fld>
             <a:endParaRPr lang="en-US"/>
           </a:p>
@@ -4860,7 +4847,7 @@
           <a:p>
             <a:fld id="{112779B1-49FA-AE40-A30D-0FBD14D02E5A}" type="datetimeFigureOut">
               <a:rPr lang="en-US" smtClean="0"/>
-              <a:t>4/2/24</a:t>
+              <a:t>11/17/24</a:t>
             </a:fld>
             <a:endParaRPr lang="en-US"/>
           </a:p>
@@ -4950,7 +4937,7 @@
           <a:p>
             <a:fld id="{112779B1-49FA-AE40-A30D-0FBD14D02E5A}" type="datetimeFigureOut">
               <a:rPr lang="en-US" smtClean="0"/>
-              <a:t>4/2/24</a:t>
+              <a:t>11/17/24</a:t>
             </a:fld>
             <a:endParaRPr lang="en-US"/>
           </a:p>
@@ -5192,7 +5179,7 @@
           <a:p>
             <a:fld id="{112779B1-49FA-AE40-A30D-0FBD14D02E5A}" type="datetimeFigureOut">
               <a:rPr lang="en-US" smtClean="0"/>
-              <a:t>4/2/24</a:t>
+              <a:t>11/17/24</a:t>
             </a:fld>
             <a:endParaRPr lang="en-US"/>
           </a:p>
@@ -5484,7 +5471,7 @@
           <a:p>
             <a:fld id="{112779B1-49FA-AE40-A30D-0FBD14D02E5A}" type="datetimeFigureOut">
               <a:rPr lang="en-US" smtClean="0"/>
-              <a:t>4/2/24</a:t>
+              <a:t>11/17/24</a:t>
             </a:fld>
             <a:endParaRPr lang="en-US"/>
           </a:p>
@@ -5778,7 +5765,7 @@
           <a:p>
             <a:fld id="{112779B1-49FA-AE40-A30D-0FBD14D02E5A}" type="datetimeFigureOut">
               <a:rPr lang="en-US" smtClean="0"/>
-              <a:t>4/2/24</a:t>
+              <a:t>11/17/24</a:t>
             </a:fld>
             <a:endParaRPr lang="en-US"/>
           </a:p>
@@ -6273,7 +6260,12 @@
             <p:ph type="ctrTitle"/>
           </p:nvPr>
         </p:nvSpPr>
-        <p:spPr/>
+        <p:spPr>
+          <a:xfrm>
+            <a:off x="457200" y="228600"/>
+            <a:ext cx="7772400" cy="4571999"/>
+          </a:xfrm>
+        </p:spPr>
         <p:txBody>
           <a:bodyPr/>
           <a:lstStyle/>
@@ -7665,7 +7657,7 @@
         </p:spPr>
         <p:txBody>
           <a:bodyPr>
-            <a:normAutofit fontScale="90000"/>
+            <a:normAutofit/>
           </a:bodyPr>
           <a:lstStyle/>
           <a:p>
@@ -8738,7 +8730,7 @@
         </p:spPr>
         <p:txBody>
           <a:bodyPr>
-            <a:normAutofit lnSpcReduction="10000"/>
+            <a:normAutofit/>
           </a:bodyPr>
           <a:lstStyle/>
           <a:p>
@@ -9333,7 +9325,7 @@
         </p:spPr>
         <p:txBody>
           <a:bodyPr>
-            <a:normAutofit fontScale="90000"/>
+            <a:normAutofit/>
           </a:bodyPr>
           <a:lstStyle/>
           <a:p>
@@ -9427,7 +9419,7 @@
         </p:spPr>
         <p:txBody>
           <a:bodyPr>
-            <a:normAutofit fontScale="92500"/>
+            <a:normAutofit/>
           </a:bodyPr>
           <a:lstStyle/>
           <a:p>
@@ -9552,7 +9544,7 @@
         </p:spPr>
         <p:txBody>
           <a:bodyPr>
-            <a:normAutofit fontScale="90000"/>
+            <a:normAutofit/>
           </a:bodyPr>
           <a:lstStyle/>
           <a:p>
@@ -9606,7 +9598,7 @@
         <p:spPr/>
         <p:txBody>
           <a:bodyPr>
-            <a:normAutofit fontScale="90000"/>
+            <a:normAutofit/>
           </a:bodyPr>
           <a:lstStyle/>
           <a:p>
@@ -9702,7 +9694,7 @@
         <p:spPr/>
         <p:txBody>
           <a:bodyPr>
-            <a:normAutofit fontScale="90000"/>
+            <a:normAutofit/>
           </a:bodyPr>
           <a:lstStyle/>
           <a:p>
@@ -9842,7 +9834,7 @@
         <p:spPr/>
         <p:txBody>
           <a:bodyPr>
-            <a:normAutofit fontScale="90000"/>
+            <a:normAutofit/>
           </a:bodyPr>
           <a:lstStyle/>
           <a:p>
@@ -9998,7 +9990,7 @@
         </p:spPr>
         <p:txBody>
           <a:bodyPr>
-            <a:normAutofit fontScale="90000"/>
+            <a:normAutofit/>
           </a:bodyPr>
           <a:lstStyle/>
           <a:p>
@@ -10027,7 +10019,7 @@
         </p:spPr>
         <p:txBody>
           <a:bodyPr>
-            <a:normAutofit fontScale="92500"/>
+            <a:normAutofit lnSpcReduction="10000"/>
           </a:bodyPr>
           <a:lstStyle/>
           <a:p>
@@ -10202,7 +10194,7 @@
         <p:spPr/>
         <p:txBody>
           <a:bodyPr>
-            <a:normAutofit fontScale="90000"/>
+            <a:normAutofit/>
           </a:bodyPr>
           <a:lstStyle/>
           <a:p>
@@ -10386,7 +10378,7 @@
         <p:spPr/>
         <p:txBody>
           <a:bodyPr>
-            <a:normAutofit fontScale="90000"/>
+            <a:normAutofit/>
           </a:bodyPr>
           <a:lstStyle/>
           <a:p>
@@ -10494,7 +10486,7 @@
         <p:spPr/>
         <p:txBody>
           <a:bodyPr>
-            <a:normAutofit fontScale="90000"/>
+            <a:normAutofit/>
           </a:bodyPr>
           <a:lstStyle/>
           <a:p>
@@ -10638,7 +10630,7 @@
         <p:spPr/>
         <p:txBody>
           <a:bodyPr>
-            <a:normAutofit fontScale="90000"/>
+            <a:normAutofit/>
           </a:bodyPr>
           <a:lstStyle/>
           <a:p>
@@ -10859,7 +10851,7 @@
         <p:spPr/>
         <p:txBody>
           <a:bodyPr>
-            <a:normAutofit lnSpcReduction="10000"/>
+            <a:normAutofit/>
           </a:bodyPr>
           <a:lstStyle/>
           <a:p>
@@ -11624,7 +11616,7 @@
         </p:spPr>
         <p:txBody>
           <a:bodyPr>
-            <a:normAutofit fontScale="90000"/>
+            <a:normAutofit/>
           </a:bodyPr>
           <a:lstStyle/>
           <a:p>
@@ -12754,18 +12746,18 @@
         <a:srgbClr val="969696"/>
       </a:folHlink>
     </a:clrScheme>
-    <a:fontScheme name="Essential">
+    <a:fontScheme name="Office">
       <a:majorFont>
-        <a:latin typeface="Arial Black"/>
+        <a:latin typeface="Aptos Display" panose="02110004020202020204"/>
         <a:ea typeface=""/>
         <a:cs typeface=""/>
-        <a:font script="Jpan" typeface="ＭＳ Ｐゴシック"/>
-        <a:font script="Hang" typeface="HY견고딕"/>
-        <a:font script="Hans" typeface="微软雅黑"/>
-        <a:font script="Hant" typeface="微軟正黑體"/>
-        <a:font script="Arab" typeface="Tahoma"/>
-        <a:font script="Hebr" typeface="Tahoma"/>
-        <a:font script="Thai" typeface="Tahoma"/>
+        <a:font script="Jpan" typeface="游ゴシック Light"/>
+        <a:font script="Hang" typeface="맑은 고딕"/>
+        <a:font script="Hans" typeface="等线 Light"/>
+        <a:font script="Hant" typeface="新細明體"/>
+        <a:font script="Arab" typeface="Times New Roman"/>
+        <a:font script="Hebr" typeface="Times New Roman"/>
+        <a:font script="Thai" typeface="Angsana New"/>
         <a:font script="Ethi" typeface="Nyala"/>
         <a:font script="Beng" typeface="Vrinda"/>
         <a:font script="Gujr" typeface="Shruti"/>
@@ -12789,15 +12781,32 @@
         <a:font script="Viet" typeface="Times New Roman"/>
         <a:font script="Uigh" typeface="Microsoft Uighur"/>
         <a:font script="Geor" typeface="Sylfaen"/>
+        <a:font script="Armn" typeface="Arial"/>
+        <a:font script="Bugi" typeface="Leelawadee UI"/>
+        <a:font script="Bopo" typeface="Microsoft JhengHei"/>
+        <a:font script="Java" typeface="Javanese Text"/>
+        <a:font script="Lisu" typeface="Segoe UI"/>
+        <a:font script="Mymr" typeface="Myanmar Text"/>
+        <a:font script="Nkoo" typeface="Ebrima"/>
+        <a:font script="Olck" typeface="Nirmala UI"/>
+        <a:font script="Osma" typeface="Ebrima"/>
+        <a:font script="Phag" typeface="Phagspa"/>
+        <a:font script="Syrn" typeface="Estrangelo Edessa"/>
+        <a:font script="Syrj" typeface="Estrangelo Edessa"/>
+        <a:font script="Syre" typeface="Estrangelo Edessa"/>
+        <a:font script="Sora" typeface="Nirmala UI"/>
+        <a:font script="Tale" typeface="Microsoft Tai Le"/>
+        <a:font script="Talu" typeface="Microsoft New Tai Lue"/>
+        <a:font script="Tfng" typeface="Ebrima"/>
       </a:majorFont>
       <a:minorFont>
-        <a:latin typeface="Arial"/>
+        <a:latin typeface="Aptos" panose="02110004020202020204"/>
         <a:ea typeface=""/>
         <a:cs typeface=""/>
-        <a:font script="Jpan" typeface="ＭＳ Ｐゴシック"/>
-        <a:font script="Hang" typeface="돋움"/>
-        <a:font script="Hans" typeface="黑体"/>
-        <a:font script="Hant" typeface="微軟正黑體"/>
+        <a:font script="Jpan" typeface="游ゴシック"/>
+        <a:font script="Hang" typeface="맑은 고딕"/>
+        <a:font script="Hans" typeface="等线"/>
+        <a:font script="Hant" typeface="新細明體"/>
         <a:font script="Arab" typeface="Arial"/>
         <a:font script="Hebr" typeface="Arial"/>
         <a:font script="Thai" typeface="Cordia New"/>
@@ -12824,6 +12833,23 @@
         <a:font script="Viet" typeface="Arial"/>
         <a:font script="Uigh" typeface="Microsoft Uighur"/>
         <a:font script="Geor" typeface="Sylfaen"/>
+        <a:font script="Armn" typeface="Arial"/>
+        <a:font script="Bugi" typeface="Leelawadee UI"/>
+        <a:font script="Bopo" typeface="Microsoft JhengHei"/>
+        <a:font script="Java" typeface="Javanese Text"/>
+        <a:font script="Lisu" typeface="Segoe UI"/>
+        <a:font script="Mymr" typeface="Myanmar Text"/>
+        <a:font script="Nkoo" typeface="Ebrima"/>
+        <a:font script="Olck" typeface="Nirmala UI"/>
+        <a:font script="Osma" typeface="Ebrima"/>
+        <a:font script="Phag" typeface="Phagspa"/>
+        <a:font script="Syrn" typeface="Estrangelo Edessa"/>
+        <a:font script="Syrj" typeface="Estrangelo Edessa"/>
+        <a:font script="Syre" typeface="Estrangelo Edessa"/>
+        <a:font script="Sora" typeface="Nirmala UI"/>
+        <a:font script="Tale" typeface="Microsoft Tai Le"/>
+        <a:font script="Talu" typeface="Microsoft New Tai Lue"/>
+        <a:font script="Tfng" typeface="Ebrima"/>
       </a:minorFont>
     </a:fontScheme>
     <a:fmtScheme name="Essential">
